--- a/input/images-source/interactionImportPull.pptx
+++ b/input/images-source/interactionImportPull.pptx
@@ -3379,7 +3379,7 @@
         </p:nvSpPr>
         <p:spPr>
           <a:xfrm>
-            <a:off x="7772400" y="4576575"/>
+            <a:off x="7772400" y="4679216"/>
             <a:ext cx="205276" cy="172707"/>
           </a:xfrm>
           <a:prstGeom prst="rect">
@@ -3431,7 +3431,7 @@
         </p:nvSpPr>
         <p:spPr>
           <a:xfrm>
-            <a:off x="4151676" y="4585760"/>
+            <a:off x="4151676" y="4688401"/>
             <a:ext cx="205276" cy="172707"/>
           </a:xfrm>
           <a:prstGeom prst="rect">
@@ -3780,7 +3780,7 @@
         </p:nvCxnSpPr>
         <p:spPr>
           <a:xfrm>
-            <a:off x="4478694" y="4066647"/>
+            <a:off x="4478694" y="3973337"/>
             <a:ext cx="3265714" cy="0"/>
           </a:xfrm>
           <a:prstGeom prst="straightConnector1">
@@ -3825,7 +3825,7 @@
         </p:nvSpPr>
         <p:spPr>
           <a:xfrm>
-            <a:off x="3848429" y="3544972"/>
+            <a:off x="3848429" y="3451662"/>
             <a:ext cx="4348065" cy="461665"/>
           </a:xfrm>
           <a:prstGeom prst="rect">
@@ -3870,7 +3870,7 @@
         </p:nvSpPr>
         <p:spPr>
           <a:xfrm>
-            <a:off x="3848429" y="4114910"/>
+            <a:off x="3848429" y="4021600"/>
             <a:ext cx="4348065" cy="461665"/>
           </a:xfrm>
           <a:prstGeom prst="rect">
@@ -3919,7 +3919,7 @@
         </p:nvCxnSpPr>
         <p:spPr>
           <a:xfrm rot="5400000">
-            <a:off x="6060084" y="2943512"/>
+            <a:off x="6060084" y="3046153"/>
             <a:ext cx="9185" cy="3620724"/>
           </a:xfrm>
           <a:prstGeom prst="curvedConnector3">
@@ -3964,7 +3964,7 @@
         </p:nvSpPr>
         <p:spPr>
           <a:xfrm>
-            <a:off x="4002384" y="4921989"/>
+            <a:off x="4002383" y="4541713"/>
             <a:ext cx="4040155" cy="461665"/>
           </a:xfrm>
           <a:prstGeom prst="rect">
